--- a/Article/DevOps/chown_문제해결/img/img.pptx
+++ b/Article/DevOps/chown_문제해결/img/img.pptx
@@ -3458,121 +3458,142 @@
           <a:chExt cx="0" cy="0"/>
         </a:xfrm>
       </p:grpSpPr>
-      <p:pic>
-        <p:nvPicPr>
-          <p:cNvPr id="5" name="그림 4" descr="그리기, 옅은이(가) 표시된 사진&#10;&#10;자동 생성된 설명">
-            <a:extLst>
-              <a:ext uri="{FF2B5EF4-FFF2-40B4-BE49-F238E27FC236}">
-                <a16:creationId xmlns:a16="http://schemas.microsoft.com/office/drawing/2014/main" id="{48E1C9BA-5C4A-4186-BCAB-33DCBE388851}"/>
-              </a:ext>
-            </a:extLst>
-          </p:cNvPr>
-          <p:cNvPicPr>
-            <a:picLocks noChangeAspect="1"/>
-          </p:cNvPicPr>
+      <p:grpSp>
+        <p:nvGrpSpPr>
+          <p:cNvPr id="3" name="그룹 2">
+            <a:extLst>
+              <a:ext uri="{FF2B5EF4-FFF2-40B4-BE49-F238E27FC236}">
+                <a16:creationId xmlns:a16="http://schemas.microsoft.com/office/drawing/2014/main" id="{6DFA4C62-C438-45D3-99F2-91A8485D742B}"/>
+              </a:ext>
+            </a:extLst>
+          </p:cNvPr>
+          <p:cNvGrpSpPr/>
           <p:nvPr/>
-        </p:nvPicPr>
-        <p:blipFill>
-          <a:blip r:embed="rId2">
-            <a:extLst>
-              <a:ext uri="{28A0092B-C50C-407E-A947-70E740481C1C}">
-                <a14:useLocalDpi xmlns:a14="http://schemas.microsoft.com/office/drawing/2010/main" val="0"/>
-              </a:ext>
-            </a:extLst>
-          </a:blip>
-          <a:stretch>
-            <a:fillRect/>
-          </a:stretch>
-        </p:blipFill>
-        <p:spPr>
+        </p:nvGrpSpPr>
+        <p:grpSpPr>
           <a:xfrm>
-            <a:off x="3687771" y="1108888"/>
-            <a:ext cx="5455570" cy="4081423"/>
+            <a:off x="3192940" y="1388289"/>
+            <a:ext cx="6104702" cy="4081423"/>
+            <a:chOff x="3043649" y="1388288"/>
+            <a:chExt cx="6104702" cy="4081423"/>
           </a:xfrm>
-          <a:prstGeom prst="rect">
-            <a:avLst/>
-          </a:prstGeom>
-        </p:spPr>
-      </p:pic>
-      <p:sp>
-        <p:nvSpPr>
-          <p:cNvPr id="7" name="TextBox 6">
-            <a:extLst>
-              <a:ext uri="{FF2B5EF4-FFF2-40B4-BE49-F238E27FC236}">
-                <a16:creationId xmlns:a16="http://schemas.microsoft.com/office/drawing/2014/main" id="{26CE257E-9FC7-4854-8E5A-AC1B34B60A20}"/>
-              </a:ext>
-            </a:extLst>
-          </p:cNvPr>
-          <p:cNvSpPr txBox="1"/>
-          <p:nvPr/>
-        </p:nvSpPr>
-        <p:spPr>
-          <a:xfrm>
-            <a:off x="4321417" y="4147961"/>
-            <a:ext cx="3695232" cy="830997"/>
-          </a:xfrm>
-          <a:prstGeom prst="rect">
-            <a:avLst/>
-          </a:prstGeom>
-          <a:noFill/>
-        </p:spPr>
-        <p:txBody>
-          <a:bodyPr wrap="square" rtlCol="0">
-            <a:spAutoFit/>
-          </a:bodyPr>
-          <a:lstStyle/>
-          <a:p>
-            <a:pPr algn="ctr"/>
-            <a:r>
-              <a:rPr lang="en-US" altLang="ko-KR" sz="4800">
+        </p:grpSpPr>
+        <p:pic>
+          <p:nvPicPr>
+            <p:cNvPr id="5" name="그림 4" descr="그리기, 옅은이(가) 표시된 사진&#10;&#10;자동 생성된 설명">
+              <a:extLst>
+                <a:ext uri="{FF2B5EF4-FFF2-40B4-BE49-F238E27FC236}">
+                  <a16:creationId xmlns:a16="http://schemas.microsoft.com/office/drawing/2014/main" id="{48E1C9BA-5C4A-4186-BCAB-33DCBE388851}"/>
+                </a:ext>
+              </a:extLst>
+            </p:cNvPr>
+            <p:cNvPicPr>
+              <a:picLocks noChangeAspect="1"/>
+            </p:cNvPicPr>
+            <p:nvPr/>
+          </p:nvPicPr>
+          <p:blipFill>
+            <a:blip r:embed="rId2">
+              <a:extLst>
+                <a:ext uri="{28A0092B-C50C-407E-A947-70E740481C1C}">
+                  <a14:useLocalDpi xmlns:a14="http://schemas.microsoft.com/office/drawing/2010/main" val="0"/>
+                </a:ext>
+              </a:extLst>
+            </a:blip>
+            <a:stretch>
+              <a:fillRect/>
+            </a:stretch>
+          </p:blipFill>
+          <p:spPr>
+            <a:xfrm>
+              <a:off x="3692781" y="1388288"/>
+              <a:ext cx="5455570" cy="4081423"/>
+            </a:xfrm>
+            <a:prstGeom prst="rect">
+              <a:avLst/>
+            </a:prstGeom>
+          </p:spPr>
+        </p:pic>
+        <p:sp>
+          <p:nvSpPr>
+            <p:cNvPr id="7" name="TextBox 6">
+              <a:extLst>
+                <a:ext uri="{FF2B5EF4-FFF2-40B4-BE49-F238E27FC236}">
+                  <a16:creationId xmlns:a16="http://schemas.microsoft.com/office/drawing/2014/main" id="{26CE257E-9FC7-4854-8E5A-AC1B34B60A20}"/>
+                </a:ext>
+              </a:extLst>
+            </p:cNvPr>
+            <p:cNvSpPr txBox="1"/>
+            <p:nvPr/>
+          </p:nvSpPr>
+          <p:spPr>
+            <a:xfrm>
+              <a:off x="4048966" y="4324725"/>
+              <a:ext cx="3695232" cy="830997"/>
+            </a:xfrm>
+            <a:prstGeom prst="rect">
+              <a:avLst/>
+            </a:prstGeom>
+            <a:noFill/>
+          </p:spPr>
+          <p:txBody>
+            <a:bodyPr wrap="square" rtlCol="0">
+              <a:spAutoFit/>
+            </a:bodyPr>
+            <a:lstStyle/>
+            <a:p>
+              <a:pPr algn="ctr"/>
+              <a:r>
+                <a:rPr lang="en-US" altLang="ko-KR" sz="4800">
+                  <a:latin typeface="나눔스퀘어_ac ExtraBold" panose="020B0600000101010101" pitchFamily="50" charset="-127"/>
+                  <a:ea typeface="나눔스퀘어_ac ExtraBold" panose="020B0600000101010101" pitchFamily="50" charset="-127"/>
+                </a:rPr>
+                <a:t>Crush Error</a:t>
+              </a:r>
+              <a:endParaRPr lang="ko-KR" altLang="en-US" sz="4800">
                 <a:latin typeface="나눔스퀘어_ac ExtraBold" panose="020B0600000101010101" pitchFamily="50" charset="-127"/>
                 <a:ea typeface="나눔스퀘어_ac ExtraBold" panose="020B0600000101010101" pitchFamily="50" charset="-127"/>
-              </a:rPr>
-              <a:t>Crush Error</a:t>
-            </a:r>
-            <a:endParaRPr lang="ko-KR" altLang="en-US" sz="4800">
-              <a:latin typeface="나눔스퀘어_ac ExtraBold" panose="020B0600000101010101" pitchFamily="50" charset="-127"/>
-              <a:ea typeface="나눔스퀘어_ac ExtraBold" panose="020B0600000101010101" pitchFamily="50" charset="-127"/>
-            </a:endParaRPr>
-          </a:p>
-        </p:txBody>
-      </p:sp>
-      <p:pic>
-        <p:nvPicPr>
-          <p:cNvPr id="8" name="그림 7" descr="우산이(가) 표시된 사진&#10;&#10;자동 생성된 설명">
-            <a:extLst>
-              <a:ext uri="{FF2B5EF4-FFF2-40B4-BE49-F238E27FC236}">
-                <a16:creationId xmlns:a16="http://schemas.microsoft.com/office/drawing/2014/main" id="{0AF77AF3-576C-4DF7-8EEF-48EDAB46D463}"/>
-              </a:ext>
-            </a:extLst>
-          </p:cNvPr>
-          <p:cNvPicPr>
-            <a:picLocks noChangeAspect="1"/>
-          </p:cNvPicPr>
-          <p:nvPr/>
-        </p:nvPicPr>
-        <p:blipFill>
-          <a:blip r:embed="rId3">
-            <a:extLst>
-              <a:ext uri="{28A0092B-C50C-407E-A947-70E740481C1C}">
-                <a14:useLocalDpi xmlns:a14="http://schemas.microsoft.com/office/drawing/2010/main" val="0"/>
-              </a:ext>
-            </a:extLst>
-          </a:blip>
-          <a:stretch>
-            <a:fillRect/>
-          </a:stretch>
-        </p:blipFill>
-        <p:spPr>
-          <a:xfrm>
-            <a:off x="3038639" y="1402786"/>
-            <a:ext cx="2010635" cy="2010635"/>
-          </a:xfrm>
-          <a:prstGeom prst="rect">
-            <a:avLst/>
-          </a:prstGeom>
-        </p:spPr>
-      </p:pic>
+              </a:endParaRPr>
+            </a:p>
+          </p:txBody>
+        </p:sp>
+        <p:pic>
+          <p:nvPicPr>
+            <p:cNvPr id="8" name="그림 7" descr="우산이(가) 표시된 사진&#10;&#10;자동 생성된 설명">
+              <a:extLst>
+                <a:ext uri="{FF2B5EF4-FFF2-40B4-BE49-F238E27FC236}">
+                  <a16:creationId xmlns:a16="http://schemas.microsoft.com/office/drawing/2014/main" id="{0AF77AF3-576C-4DF7-8EEF-48EDAB46D463}"/>
+                </a:ext>
+              </a:extLst>
+            </p:cNvPr>
+            <p:cNvPicPr>
+              <a:picLocks noChangeAspect="1"/>
+            </p:cNvPicPr>
+            <p:nvPr/>
+          </p:nvPicPr>
+          <p:blipFill>
+            <a:blip r:embed="rId3">
+              <a:extLst>
+                <a:ext uri="{28A0092B-C50C-407E-A947-70E740481C1C}">
+                  <a14:useLocalDpi xmlns:a14="http://schemas.microsoft.com/office/drawing/2010/main" val="0"/>
+                </a:ext>
+              </a:extLst>
+            </a:blip>
+            <a:stretch>
+              <a:fillRect/>
+            </a:stretch>
+          </p:blipFill>
+          <p:spPr>
+            <a:xfrm>
+              <a:off x="3043649" y="1682186"/>
+              <a:ext cx="2010635" cy="2010635"/>
+            </a:xfrm>
+            <a:prstGeom prst="rect">
+              <a:avLst/>
+            </a:prstGeom>
+          </p:spPr>
+        </p:pic>
+      </p:grpSp>
     </p:spTree>
     <p:extLst>
       <p:ext uri="{BB962C8B-B14F-4D97-AF65-F5344CB8AC3E}">

--- a/Article/DevOps/chown_문제해결/img/img.pptx
+++ b/Article/DevOps/chown_문제해결/img/img.pptx
@@ -271,7 +271,7 @@
           <a:p>
             <a:fld id="{712F8387-8F95-4641-ACB5-898AAD5C65E8}" type="datetimeFigureOut">
               <a:rPr lang="ko-KR" altLang="en-US" smtClean="0"/>
-              <a:t>2020-07-04</a:t>
+              <a:t>2020-07-17</a:t>
             </a:fld>
             <a:endParaRPr lang="ko-KR" altLang="en-US"/>
           </a:p>
@@ -469,7 +469,7 @@
           <a:p>
             <a:fld id="{712F8387-8F95-4641-ACB5-898AAD5C65E8}" type="datetimeFigureOut">
               <a:rPr lang="ko-KR" altLang="en-US" smtClean="0"/>
-              <a:t>2020-07-04</a:t>
+              <a:t>2020-07-17</a:t>
             </a:fld>
             <a:endParaRPr lang="ko-KR" altLang="en-US"/>
           </a:p>
@@ -677,7 +677,7 @@
           <a:p>
             <a:fld id="{712F8387-8F95-4641-ACB5-898AAD5C65E8}" type="datetimeFigureOut">
               <a:rPr lang="ko-KR" altLang="en-US" smtClean="0"/>
-              <a:t>2020-07-04</a:t>
+              <a:t>2020-07-17</a:t>
             </a:fld>
             <a:endParaRPr lang="ko-KR" altLang="en-US"/>
           </a:p>
@@ -875,7 +875,7 @@
           <a:p>
             <a:fld id="{712F8387-8F95-4641-ACB5-898AAD5C65E8}" type="datetimeFigureOut">
               <a:rPr lang="ko-KR" altLang="en-US" smtClean="0"/>
-              <a:t>2020-07-04</a:t>
+              <a:t>2020-07-17</a:t>
             </a:fld>
             <a:endParaRPr lang="ko-KR" altLang="en-US"/>
           </a:p>
@@ -1150,7 +1150,7 @@
           <a:p>
             <a:fld id="{712F8387-8F95-4641-ACB5-898AAD5C65E8}" type="datetimeFigureOut">
               <a:rPr lang="ko-KR" altLang="en-US" smtClean="0"/>
-              <a:t>2020-07-04</a:t>
+              <a:t>2020-07-17</a:t>
             </a:fld>
             <a:endParaRPr lang="ko-KR" altLang="en-US"/>
           </a:p>
@@ -1415,7 +1415,7 @@
           <a:p>
             <a:fld id="{712F8387-8F95-4641-ACB5-898AAD5C65E8}" type="datetimeFigureOut">
               <a:rPr lang="ko-KR" altLang="en-US" smtClean="0"/>
-              <a:t>2020-07-04</a:t>
+              <a:t>2020-07-17</a:t>
             </a:fld>
             <a:endParaRPr lang="ko-KR" altLang="en-US"/>
           </a:p>
@@ -1827,7 +1827,7 @@
           <a:p>
             <a:fld id="{712F8387-8F95-4641-ACB5-898AAD5C65E8}" type="datetimeFigureOut">
               <a:rPr lang="ko-KR" altLang="en-US" smtClean="0"/>
-              <a:t>2020-07-04</a:t>
+              <a:t>2020-07-17</a:t>
             </a:fld>
             <a:endParaRPr lang="ko-KR" altLang="en-US"/>
           </a:p>
@@ -1968,7 +1968,7 @@
           <a:p>
             <a:fld id="{712F8387-8F95-4641-ACB5-898AAD5C65E8}" type="datetimeFigureOut">
               <a:rPr lang="ko-KR" altLang="en-US" smtClean="0"/>
-              <a:t>2020-07-04</a:t>
+              <a:t>2020-07-17</a:t>
             </a:fld>
             <a:endParaRPr lang="ko-KR" altLang="en-US"/>
           </a:p>
@@ -2081,7 +2081,7 @@
           <a:p>
             <a:fld id="{712F8387-8F95-4641-ACB5-898AAD5C65E8}" type="datetimeFigureOut">
               <a:rPr lang="ko-KR" altLang="en-US" smtClean="0"/>
-              <a:t>2020-07-04</a:t>
+              <a:t>2020-07-17</a:t>
             </a:fld>
             <a:endParaRPr lang="ko-KR" altLang="en-US"/>
           </a:p>
@@ -2392,7 +2392,7 @@
           <a:p>
             <a:fld id="{712F8387-8F95-4641-ACB5-898AAD5C65E8}" type="datetimeFigureOut">
               <a:rPr lang="ko-KR" altLang="en-US" smtClean="0"/>
-              <a:t>2020-07-04</a:t>
+              <a:t>2020-07-17</a:t>
             </a:fld>
             <a:endParaRPr lang="ko-KR" altLang="en-US"/>
           </a:p>
@@ -2680,7 +2680,7 @@
           <a:p>
             <a:fld id="{712F8387-8F95-4641-ACB5-898AAD5C65E8}" type="datetimeFigureOut">
               <a:rPr lang="ko-KR" altLang="en-US" smtClean="0"/>
-              <a:t>2020-07-04</a:t>
+              <a:t>2020-07-17</a:t>
             </a:fld>
             <a:endParaRPr lang="ko-KR" altLang="en-US"/>
           </a:p>
@@ -2921,7 +2921,7 @@
           <a:p>
             <a:fld id="{712F8387-8F95-4641-ACB5-898AAD5C65E8}" type="datetimeFigureOut">
               <a:rPr lang="ko-KR" altLang="en-US" smtClean="0"/>
-              <a:t>2020-07-04</a:t>
+              <a:t>2020-07-17</a:t>
             </a:fld>
             <a:endParaRPr lang="ko-KR" altLang="en-US"/>
           </a:p>
@@ -3458,142 +3458,121 @@
           <a:chExt cx="0" cy="0"/>
         </a:xfrm>
       </p:grpSpPr>
-      <p:grpSp>
-        <p:nvGrpSpPr>
-          <p:cNvPr id="3" name="그룹 2">
-            <a:extLst>
-              <a:ext uri="{FF2B5EF4-FFF2-40B4-BE49-F238E27FC236}">
-                <a16:creationId xmlns:a16="http://schemas.microsoft.com/office/drawing/2014/main" id="{6DFA4C62-C438-45D3-99F2-91A8485D742B}"/>
-              </a:ext>
-            </a:extLst>
-          </p:cNvPr>
-          <p:cNvGrpSpPr/>
+      <p:pic>
+        <p:nvPicPr>
+          <p:cNvPr id="5" name="그림 4" descr="그리기, 옅은이(가) 표시된 사진&#10;&#10;자동 생성된 설명">
+            <a:extLst>
+              <a:ext uri="{FF2B5EF4-FFF2-40B4-BE49-F238E27FC236}">
+                <a16:creationId xmlns:a16="http://schemas.microsoft.com/office/drawing/2014/main" id="{48E1C9BA-5C4A-4186-BCAB-33DCBE388851}"/>
+              </a:ext>
+            </a:extLst>
+          </p:cNvPr>
+          <p:cNvPicPr>
+            <a:picLocks noChangeAspect="1"/>
+          </p:cNvPicPr>
           <p:nvPr/>
-        </p:nvGrpSpPr>
-        <p:grpSpPr>
+        </p:nvPicPr>
+        <p:blipFill>
+          <a:blip r:embed="rId2">
+            <a:extLst>
+              <a:ext uri="{28A0092B-C50C-407E-A947-70E740481C1C}">
+                <a14:useLocalDpi xmlns:a14="http://schemas.microsoft.com/office/drawing/2010/main" val="0"/>
+              </a:ext>
+            </a:extLst>
+          </a:blip>
+          <a:stretch>
+            <a:fillRect/>
+          </a:stretch>
+        </p:blipFill>
+        <p:spPr>
           <a:xfrm>
-            <a:off x="3192940" y="1388289"/>
-            <a:ext cx="6104702" cy="4081423"/>
-            <a:chOff x="3043649" y="1388288"/>
-            <a:chExt cx="6104702" cy="4081423"/>
+            <a:off x="3842072" y="1388289"/>
+            <a:ext cx="5455570" cy="4081423"/>
           </a:xfrm>
-        </p:grpSpPr>
-        <p:pic>
-          <p:nvPicPr>
-            <p:cNvPr id="5" name="그림 4" descr="그리기, 옅은이(가) 표시된 사진&#10;&#10;자동 생성된 설명">
-              <a:extLst>
-                <a:ext uri="{FF2B5EF4-FFF2-40B4-BE49-F238E27FC236}">
-                  <a16:creationId xmlns:a16="http://schemas.microsoft.com/office/drawing/2014/main" id="{48E1C9BA-5C4A-4186-BCAB-33DCBE388851}"/>
-                </a:ext>
-              </a:extLst>
-            </p:cNvPr>
-            <p:cNvPicPr>
-              <a:picLocks noChangeAspect="1"/>
-            </p:cNvPicPr>
-            <p:nvPr/>
-          </p:nvPicPr>
-          <p:blipFill>
-            <a:blip r:embed="rId2">
-              <a:extLst>
-                <a:ext uri="{28A0092B-C50C-407E-A947-70E740481C1C}">
-                  <a14:useLocalDpi xmlns:a14="http://schemas.microsoft.com/office/drawing/2010/main" val="0"/>
-                </a:ext>
-              </a:extLst>
-            </a:blip>
-            <a:stretch>
-              <a:fillRect/>
-            </a:stretch>
-          </p:blipFill>
-          <p:spPr>
-            <a:xfrm>
-              <a:off x="3692781" y="1388288"/>
-              <a:ext cx="5455570" cy="4081423"/>
-            </a:xfrm>
-            <a:prstGeom prst="rect">
-              <a:avLst/>
-            </a:prstGeom>
-          </p:spPr>
-        </p:pic>
-        <p:sp>
-          <p:nvSpPr>
-            <p:cNvPr id="7" name="TextBox 6">
-              <a:extLst>
-                <a:ext uri="{FF2B5EF4-FFF2-40B4-BE49-F238E27FC236}">
-                  <a16:creationId xmlns:a16="http://schemas.microsoft.com/office/drawing/2014/main" id="{26CE257E-9FC7-4854-8E5A-AC1B34B60A20}"/>
-                </a:ext>
-              </a:extLst>
-            </p:cNvPr>
-            <p:cNvSpPr txBox="1"/>
-            <p:nvPr/>
-          </p:nvSpPr>
-          <p:spPr>
-            <a:xfrm>
-              <a:off x="4048966" y="4324725"/>
-              <a:ext cx="3695232" cy="830997"/>
-            </a:xfrm>
-            <a:prstGeom prst="rect">
-              <a:avLst/>
-            </a:prstGeom>
-            <a:noFill/>
-          </p:spPr>
-          <p:txBody>
-            <a:bodyPr wrap="square" rtlCol="0">
-              <a:spAutoFit/>
-            </a:bodyPr>
-            <a:lstStyle/>
-            <a:p>
-              <a:pPr algn="ctr"/>
-              <a:r>
-                <a:rPr lang="en-US" altLang="ko-KR" sz="4800">
-                  <a:latin typeface="나눔스퀘어_ac ExtraBold" panose="020B0600000101010101" pitchFamily="50" charset="-127"/>
-                  <a:ea typeface="나눔스퀘어_ac ExtraBold" panose="020B0600000101010101" pitchFamily="50" charset="-127"/>
-                </a:rPr>
-                <a:t>Crush Error</a:t>
-              </a:r>
-              <a:endParaRPr lang="ko-KR" altLang="en-US" sz="4800">
+          <a:prstGeom prst="rect">
+            <a:avLst/>
+          </a:prstGeom>
+        </p:spPr>
+      </p:pic>
+      <p:sp>
+        <p:nvSpPr>
+          <p:cNvPr id="7" name="TextBox 6">
+            <a:extLst>
+              <a:ext uri="{FF2B5EF4-FFF2-40B4-BE49-F238E27FC236}">
+                <a16:creationId xmlns:a16="http://schemas.microsoft.com/office/drawing/2014/main" id="{26CE257E-9FC7-4854-8E5A-AC1B34B60A20}"/>
+              </a:ext>
+            </a:extLst>
+          </p:cNvPr>
+          <p:cNvSpPr txBox="1"/>
+          <p:nvPr/>
+        </p:nvSpPr>
+        <p:spPr>
+          <a:xfrm>
+            <a:off x="4198257" y="4324726"/>
+            <a:ext cx="3695232" cy="830997"/>
+          </a:xfrm>
+          <a:prstGeom prst="rect">
+            <a:avLst/>
+          </a:prstGeom>
+          <a:noFill/>
+        </p:spPr>
+        <p:txBody>
+          <a:bodyPr wrap="square" rtlCol="0">
+            <a:spAutoFit/>
+          </a:bodyPr>
+          <a:lstStyle/>
+          <a:p>
+            <a:pPr algn="ctr"/>
+            <a:r>
+              <a:rPr lang="en-US" altLang="ko-KR" sz="4800">
                 <a:latin typeface="나눔스퀘어_ac ExtraBold" panose="020B0600000101010101" pitchFamily="50" charset="-127"/>
                 <a:ea typeface="나눔스퀘어_ac ExtraBold" panose="020B0600000101010101" pitchFamily="50" charset="-127"/>
-              </a:endParaRPr>
-            </a:p>
-          </p:txBody>
-        </p:sp>
-        <p:pic>
-          <p:nvPicPr>
-            <p:cNvPr id="8" name="그림 7" descr="우산이(가) 표시된 사진&#10;&#10;자동 생성된 설명">
-              <a:extLst>
-                <a:ext uri="{FF2B5EF4-FFF2-40B4-BE49-F238E27FC236}">
-                  <a16:creationId xmlns:a16="http://schemas.microsoft.com/office/drawing/2014/main" id="{0AF77AF3-576C-4DF7-8EEF-48EDAB46D463}"/>
-                </a:ext>
-              </a:extLst>
-            </p:cNvPr>
-            <p:cNvPicPr>
-              <a:picLocks noChangeAspect="1"/>
-            </p:cNvPicPr>
-            <p:nvPr/>
-          </p:nvPicPr>
-          <p:blipFill>
-            <a:blip r:embed="rId3">
-              <a:extLst>
-                <a:ext uri="{28A0092B-C50C-407E-A947-70E740481C1C}">
-                  <a14:useLocalDpi xmlns:a14="http://schemas.microsoft.com/office/drawing/2010/main" val="0"/>
-                </a:ext>
-              </a:extLst>
-            </a:blip>
-            <a:stretch>
-              <a:fillRect/>
-            </a:stretch>
-          </p:blipFill>
-          <p:spPr>
-            <a:xfrm>
-              <a:off x="3043649" y="1682186"/>
-              <a:ext cx="2010635" cy="2010635"/>
-            </a:xfrm>
-            <a:prstGeom prst="rect">
-              <a:avLst/>
-            </a:prstGeom>
-          </p:spPr>
-        </p:pic>
-      </p:grpSp>
+              </a:rPr>
+              <a:t>Crush Error</a:t>
+            </a:r>
+            <a:endParaRPr lang="ko-KR" altLang="en-US" sz="4800">
+              <a:latin typeface="나눔스퀘어_ac ExtraBold" panose="020B0600000101010101" pitchFamily="50" charset="-127"/>
+              <a:ea typeface="나눔스퀘어_ac ExtraBold" panose="020B0600000101010101" pitchFamily="50" charset="-127"/>
+            </a:endParaRPr>
+          </a:p>
+        </p:txBody>
+      </p:sp>
+      <p:pic>
+        <p:nvPicPr>
+          <p:cNvPr id="8" name="그림 7" descr="우산이(가) 표시된 사진&#10;&#10;자동 생성된 설명">
+            <a:extLst>
+              <a:ext uri="{FF2B5EF4-FFF2-40B4-BE49-F238E27FC236}">
+                <a16:creationId xmlns:a16="http://schemas.microsoft.com/office/drawing/2014/main" id="{0AF77AF3-576C-4DF7-8EEF-48EDAB46D463}"/>
+              </a:ext>
+            </a:extLst>
+          </p:cNvPr>
+          <p:cNvPicPr>
+            <a:picLocks noChangeAspect="1"/>
+          </p:cNvPicPr>
+          <p:nvPr/>
+        </p:nvPicPr>
+        <p:blipFill>
+          <a:blip r:embed="rId3">
+            <a:extLst>
+              <a:ext uri="{28A0092B-C50C-407E-A947-70E740481C1C}">
+                <a14:useLocalDpi xmlns:a14="http://schemas.microsoft.com/office/drawing/2010/main" val="0"/>
+              </a:ext>
+            </a:extLst>
+          </a:blip>
+          <a:stretch>
+            <a:fillRect/>
+          </a:stretch>
+        </p:blipFill>
+        <p:spPr>
+          <a:xfrm>
+            <a:off x="3192940" y="1682187"/>
+            <a:ext cx="2010635" cy="2010635"/>
+          </a:xfrm>
+          <a:prstGeom prst="rect">
+            <a:avLst/>
+          </a:prstGeom>
+        </p:spPr>
+      </p:pic>
     </p:spTree>
     <p:extLst>
       <p:ext uri="{BB962C8B-B14F-4D97-AF65-F5344CB8AC3E}">
